--- a/Customizing the Visual Studio Start Page.pptx
+++ b/Customizing the Visual Studio Start Page.pptx
@@ -7,8 +7,10 @@
   <p:sldIdLst>
     <p:sldId id="256" r:id="rId2"/>
     <p:sldId id="258" r:id="rId3"/>
-    <p:sldId id="260" r:id="rId4"/>
-    <p:sldId id="257" r:id="rId5"/>
+    <p:sldId id="262" r:id="rId4"/>
+    <p:sldId id="260" r:id="rId5"/>
+    <p:sldId id="261" r:id="rId6"/>
+    <p:sldId id="257" r:id="rId7"/>
   </p:sldIdLst>
   <p:sldSz cx="9144000" cy="6858000" type="screen4x3"/>
   <p:notesSz cx="6858000" cy="9144000"/>
@@ -3173,6 +3175,10 @@
           <a:bodyPr/>
           <a:lstStyle/>
           <a:p>
+            <a:r>
+              <a:rPr lang="en-US" dirty="0" smtClean="0"/>
+              <a:t>Dallas .NET User Group 11/11/2010</a:t>
+            </a:r>
             <a:endParaRPr lang="en-US" dirty="0"/>
           </a:p>
         </p:txBody>
@@ -3187,6 +3193,13 @@
   <p:clrMapOvr>
     <a:masterClrMapping/>
   </p:clrMapOvr>
+  <p:timing>
+    <p:tnLst>
+      <p:par>
+        <p:cTn id="1" dur="indefinite" restart="never" nodeType="tmRoot"/>
+      </p:par>
+    </p:tnLst>
+  </p:timing>
 </p:sld>
 </file>
 
@@ -3304,15 +3317,7 @@
           <a:p>
             <a:r>
               <a:rPr lang="en-US" dirty="0" smtClean="0"/>
-              <a:t>Microsoft </a:t>
-            </a:r>
-            <a:r>
-              <a:rPr lang="en-US" dirty="0" smtClean="0"/>
-              <a:t>Visual Studio </a:t>
-            </a:r>
-            <a:r>
-              <a:rPr lang="en-US" dirty="0" smtClean="0"/>
-              <a:t>Program Manager (2004-2010), shipping VSTS 2005, VSTS 2008, VS Pro 2010</a:t>
+              <a:t>Microsoft Visual Studio Program Manager (2004-2010), shipping VSTS 2005, VSTS 2008, VS Pro 2010</a:t>
             </a:r>
           </a:p>
           <a:p>
@@ -3398,15 +3403,7 @@
           <a:effectLst>
             <a:reflection blurRad="12700" stA="38000" endPos="28000" dist="5000" dir="5400000" sy="-100000" algn="bl" rotWithShape="0"/>
           </a:effectLst>
-          <a:extLst>
-            <a:ext uri="{909E8E84-426E-40DD-AFC4-6F175D3DCCD1}">
-              <a14:hiddenFill xmlns:a14="http://schemas.microsoft.com/office/drawing/2010/main">
-                <a:solidFill>
-                  <a:srgbClr val="FFFFFF"/>
-                </a:solidFill>
-              </a14:hiddenFill>
-            </a:ext>
-          </a:extLst>
+          <a:extLst/>
         </p:spPr>
       </p:pic>
       <p:pic>
@@ -3451,15 +3448,7 @@
           <a:effectLst>
             <a:reflection blurRad="12700" stA="38000" endPos="28000" dist="5000" dir="5400000" sy="-100000" algn="bl" rotWithShape="0"/>
           </a:effectLst>
-          <a:extLst>
-            <a:ext uri="{909E8E84-426E-40DD-AFC4-6F175D3DCCD1}">
-              <a14:hiddenFill xmlns:a14="http://schemas.microsoft.com/office/drawing/2010/main">
-                <a:solidFill>
-                  <a:srgbClr val="FFFFFF"/>
-                </a:solidFill>
-              </a14:hiddenFill>
-            </a:ext>
-          </a:extLst>
+          <a:extLst/>
         </p:spPr>
       </p:pic>
     </p:spTree>
@@ -3472,6 +3461,13 @@
   <p:clrMapOvr>
     <a:masterClrMapping/>
   </p:clrMapOvr>
+  <p:timing>
+    <p:tnLst>
+      <p:par>
+        <p:cTn id="1" dur="indefinite" restart="never" nodeType="tmRoot"/>
+      </p:par>
+    </p:tnLst>
+  </p:timing>
 </p:sld>
 </file>
 
@@ -3494,7 +3490,7 @@
       </p:grpSpPr>
       <p:sp>
         <p:nvSpPr>
-          <p:cNvPr id="4" name="Title 3"/>
+          <p:cNvPr id="2" name="Title 1"/>
           <p:cNvSpPr>
             <a:spLocks noGrp="1"/>
           </p:cNvSpPr>
@@ -3509,7 +3505,7 @@
           <a:p>
             <a:r>
               <a:rPr lang="en-US" dirty="0" smtClean="0"/>
-              <a:t>Get to the code</a:t>
+              <a:t>VS Start Page Overview</a:t>
             </a:r>
             <a:endParaRPr lang="en-US" dirty="0"/>
           </a:p>
@@ -3517,33 +3513,55 @@
       </p:sp>
       <p:sp>
         <p:nvSpPr>
-          <p:cNvPr id="5" name="Text Placeholder 4"/>
-          <p:cNvSpPr>
-            <a:spLocks noGrp="1"/>
-          </p:cNvSpPr>
-          <p:nvPr>
-            <p:ph type="body" idx="1"/>
-          </p:nvPr>
-        </p:nvSpPr>
-        <p:spPr/>
-        <p:txBody>
-          <a:bodyPr/>
-          <a:lstStyle/>
-          <a:p>
-            <a:endParaRPr lang="en-US"/>
+          <p:cNvPr id="3" name="Content Placeholder 2"/>
+          <p:cNvSpPr>
+            <a:spLocks noGrp="1"/>
+          </p:cNvSpPr>
+          <p:nvPr>
+            <p:ph idx="1"/>
+          </p:nvPr>
+        </p:nvSpPr>
+        <p:spPr/>
+        <p:txBody>
+          <a:bodyPr/>
+          <a:lstStyle/>
+          <a:p>
+            <a:r>
+              <a:rPr lang="en-US" dirty="0" smtClean="0"/>
+              <a:t>VS.NET Legacy</a:t>
+            </a:r>
+          </a:p>
+          <a:p>
+            <a:r>
+              <a:rPr lang="en-US" dirty="0" smtClean="0"/>
+              <a:t>Rewritten in VS2010 in WPF</a:t>
+            </a:r>
+          </a:p>
+          <a:p>
+            <a:r>
+              <a:rPr lang="en-US" dirty="0" smtClean="0"/>
+              <a:t>Direct WPF Hooks into VS</a:t>
+            </a:r>
           </a:p>
         </p:txBody>
       </p:sp>
     </p:spTree>
     <p:extLst>
       <p:ext uri="{BB962C8B-B14F-4D97-AF65-F5344CB8AC3E}">
-        <p14:creationId xmlns:p14="http://schemas.microsoft.com/office/powerpoint/2010/main" val="2285319887"/>
+        <p14:creationId xmlns:p14="http://schemas.microsoft.com/office/powerpoint/2010/main" val="1073927316"/>
       </p:ext>
     </p:extLst>
   </p:cSld>
   <p:clrMapOvr>
     <a:masterClrMapping/>
   </p:clrMapOvr>
+  <p:timing>
+    <p:tnLst>
+      <p:par>
+        <p:cTn id="1" dur="indefinite" restart="never" nodeType="tmRoot"/>
+      </p:par>
+    </p:tnLst>
+  </p:timing>
 </p:sld>
 </file>
 
@@ -3566,6 +3584,307 @@
       </p:grpSpPr>
       <p:sp>
         <p:nvSpPr>
+          <p:cNvPr id="4" name="Title 3"/>
+          <p:cNvSpPr>
+            <a:spLocks noGrp="1"/>
+          </p:cNvSpPr>
+          <p:nvPr>
+            <p:ph type="title"/>
+          </p:nvPr>
+        </p:nvSpPr>
+        <p:spPr/>
+        <p:txBody>
+          <a:bodyPr/>
+          <a:lstStyle/>
+          <a:p>
+            <a:r>
+              <a:rPr lang="en-US" dirty="0" smtClean="0"/>
+              <a:t>Get to the code</a:t>
+            </a:r>
+            <a:endParaRPr lang="en-US" dirty="0"/>
+          </a:p>
+        </p:txBody>
+      </p:sp>
+      <p:sp>
+        <p:nvSpPr>
+          <p:cNvPr id="5" name="Text Placeholder 4"/>
+          <p:cNvSpPr>
+            <a:spLocks noGrp="1"/>
+          </p:cNvSpPr>
+          <p:nvPr>
+            <p:ph type="body" idx="1"/>
+          </p:nvPr>
+        </p:nvSpPr>
+        <p:spPr/>
+        <p:txBody>
+          <a:bodyPr/>
+          <a:lstStyle/>
+          <a:p>
+            <a:endParaRPr lang="en-US"/>
+          </a:p>
+        </p:txBody>
+      </p:sp>
+    </p:spTree>
+    <p:extLst>
+      <p:ext uri="{BB962C8B-B14F-4D97-AF65-F5344CB8AC3E}">
+        <p14:creationId xmlns:p14="http://schemas.microsoft.com/office/powerpoint/2010/main" val="2285319887"/>
+      </p:ext>
+    </p:extLst>
+  </p:cSld>
+  <p:clrMapOvr>
+    <a:masterClrMapping/>
+  </p:clrMapOvr>
+  <p:timing>
+    <p:tnLst>
+      <p:par>
+        <p:cTn id="1" dur="indefinite" restart="never" nodeType="tmRoot"/>
+      </p:par>
+    </p:tnLst>
+  </p:timing>
+</p:sld>
+</file>
+
+<file path=ppt/slides/slide5.xml><?xml version="1.0" encoding="utf-8"?>
+<p:sld xmlns:a="http://schemas.openxmlformats.org/drawingml/2006/main" xmlns:r="http://schemas.openxmlformats.org/officeDocument/2006/relationships" xmlns:p="http://schemas.openxmlformats.org/presentationml/2006/main">
+  <p:cSld>
+    <p:spTree>
+      <p:nvGrpSpPr>
+        <p:cNvPr id="1" name=""/>
+        <p:cNvGrpSpPr/>
+        <p:nvPr/>
+      </p:nvGrpSpPr>
+      <p:grpSpPr>
+        <a:xfrm>
+          <a:off x="0" y="0"/>
+          <a:ext cx="0" cy="0"/>
+          <a:chOff x="0" y="0"/>
+          <a:chExt cx="0" cy="0"/>
+        </a:xfrm>
+      </p:grpSpPr>
+      <p:sp>
+        <p:nvSpPr>
+          <p:cNvPr id="2" name="Title 1"/>
+          <p:cNvSpPr>
+            <a:spLocks noGrp="1"/>
+          </p:cNvSpPr>
+          <p:nvPr>
+            <p:ph type="title"/>
+          </p:nvPr>
+        </p:nvSpPr>
+        <p:spPr/>
+        <p:txBody>
+          <a:bodyPr/>
+          <a:lstStyle/>
+          <a:p>
+            <a:r>
+              <a:rPr lang="en-US" dirty="0" smtClean="0"/>
+              <a:t>Resources</a:t>
+            </a:r>
+            <a:endParaRPr lang="en-US" dirty="0"/>
+          </a:p>
+        </p:txBody>
+      </p:sp>
+      <p:sp>
+        <p:nvSpPr>
+          <p:cNvPr id="3" name="Content Placeholder 2"/>
+          <p:cNvSpPr>
+            <a:spLocks noGrp="1"/>
+          </p:cNvSpPr>
+          <p:nvPr>
+            <p:ph idx="1"/>
+          </p:nvPr>
+        </p:nvSpPr>
+        <p:spPr/>
+        <p:txBody>
+          <a:bodyPr>
+            <a:normAutofit fontScale="92500"/>
+          </a:bodyPr>
+          <a:lstStyle/>
+          <a:p>
+            <a:r>
+              <a:rPr lang="en-US" dirty="0" smtClean="0"/>
+              <a:t>Your VS2010 </a:t>
+            </a:r>
+            <a:r>
+              <a:rPr lang="en-US" dirty="0"/>
+              <a:t>Extensions </a:t>
+            </a:r>
+            <a:r>
+              <a:rPr lang="en-US" dirty="0">
+                <a:hlinkClick r:id="rId2" action="ppaction://hlinkfile"/>
+              </a:rPr>
+              <a:t>Installed </a:t>
+            </a:r>
+            <a:r>
+              <a:rPr lang="en-US" dirty="0" smtClean="0">
+                <a:hlinkClick r:id="rId2" action="ppaction://hlinkfile"/>
+              </a:rPr>
+              <a:t>Here</a:t>
+            </a:r>
+            <a:endParaRPr lang="en-US" dirty="0"/>
+          </a:p>
+          <a:p>
+            <a:r>
+              <a:rPr lang="en-US" dirty="0">
+                <a:hlinkClick r:id="rId3"/>
+              </a:rPr>
+              <a:t>Custom Start Page Template</a:t>
+            </a:r>
+            <a:r>
+              <a:rPr lang="en-US" dirty="0"/>
+              <a:t>, Visual Studio </a:t>
+            </a:r>
+            <a:r>
+              <a:rPr lang="en-US" dirty="0" smtClean="0"/>
+              <a:t>Gallery</a:t>
+            </a:r>
+            <a:endParaRPr lang="en-US" dirty="0"/>
+          </a:p>
+          <a:p>
+            <a:r>
+              <a:rPr lang="en-US" dirty="0"/>
+              <a:t>MSDN on </a:t>
+            </a:r>
+            <a:r>
+              <a:rPr lang="en-US" dirty="0">
+                <a:hlinkClick r:id="rId4"/>
+              </a:rPr>
+              <a:t>Custom Start </a:t>
+            </a:r>
+            <a:r>
+              <a:rPr lang="en-US" dirty="0" smtClean="0">
+                <a:hlinkClick r:id="rId4"/>
+              </a:rPr>
+              <a:t>Pages</a:t>
+            </a:r>
+            <a:endParaRPr lang="en-US" dirty="0"/>
+          </a:p>
+          <a:p>
+            <a:r>
+              <a:rPr lang="en-US" dirty="0" smtClean="0"/>
+              <a:t>MSDN </a:t>
+            </a:r>
+            <a:r>
+              <a:rPr lang="en-US" dirty="0" smtClean="0">
+                <a:hlinkClick r:id="rId5"/>
+              </a:rPr>
+              <a:t>DTE </a:t>
+            </a:r>
+            <a:r>
+              <a:rPr lang="en-US" dirty="0">
+                <a:hlinkClick r:id="rId5"/>
+              </a:rPr>
+              <a:t>Reference</a:t>
+            </a:r>
+            <a:endParaRPr lang="en-US" dirty="0"/>
+          </a:p>
+          <a:p>
+            <a:r>
+              <a:rPr lang="en-US" dirty="0" smtClean="0">
+                <a:hlinkClick r:id="rId6"/>
+              </a:rPr>
+              <a:t>Start </a:t>
+            </a:r>
+            <a:r>
+              <a:rPr lang="en-US" dirty="0">
+                <a:hlinkClick r:id="rId6"/>
+              </a:rPr>
+              <a:t>Pages</a:t>
+            </a:r>
+            <a:r>
+              <a:rPr lang="en-US" dirty="0"/>
+              <a:t> on VS </a:t>
+            </a:r>
+            <a:r>
+              <a:rPr lang="en-US" dirty="0" smtClean="0"/>
+              <a:t>Gallery</a:t>
+            </a:r>
+            <a:endParaRPr lang="en-US" dirty="0"/>
+          </a:p>
+          <a:p>
+            <a:r>
+              <a:rPr lang="en-US" dirty="0">
+                <a:hlinkClick r:id="rId7"/>
+              </a:rPr>
+              <a:t>VS Platform </a:t>
+            </a:r>
+            <a:r>
+              <a:rPr lang="en-US" dirty="0" smtClean="0">
+                <a:hlinkClick r:id="rId7"/>
+              </a:rPr>
+              <a:t>Blog</a:t>
+            </a:r>
+            <a:endParaRPr lang="en-US" dirty="0"/>
+          </a:p>
+          <a:p>
+            <a:r>
+              <a:rPr lang="en-US" dirty="0" smtClean="0"/>
+              <a:t>Adrian </a:t>
+            </a:r>
+            <a:r>
+              <a:rPr lang="en-US" dirty="0"/>
+              <a:t>Collier's Start Page </a:t>
+            </a:r>
+            <a:r>
+              <a:rPr lang="en-US" dirty="0" smtClean="0"/>
+              <a:t>Walkthrough (</a:t>
+            </a:r>
+            <a:r>
+              <a:rPr lang="en-US" dirty="0" smtClean="0">
+                <a:hlinkClick r:id="rId8"/>
+              </a:rPr>
+              <a:t>#1</a:t>
+            </a:r>
+            <a:r>
+              <a:rPr lang="en-US" dirty="0" smtClean="0"/>
+              <a:t>  </a:t>
+            </a:r>
+            <a:r>
+              <a:rPr lang="en-US" dirty="0" smtClean="0">
+                <a:hlinkClick r:id="rId9"/>
+              </a:rPr>
+              <a:t>#2</a:t>
+            </a:r>
+            <a:r>
+              <a:rPr lang="en-US" dirty="0" smtClean="0"/>
+              <a:t>)</a:t>
+            </a:r>
+            <a:endParaRPr lang="en-US" dirty="0"/>
+          </a:p>
+        </p:txBody>
+      </p:sp>
+    </p:spTree>
+    <p:extLst>
+      <p:ext uri="{BB962C8B-B14F-4D97-AF65-F5344CB8AC3E}">
+        <p14:creationId xmlns:p14="http://schemas.microsoft.com/office/powerpoint/2010/main" val="2137927338"/>
+      </p:ext>
+    </p:extLst>
+  </p:cSld>
+  <p:clrMapOvr>
+    <a:masterClrMapping/>
+  </p:clrMapOvr>
+</p:sld>
+</file>
+
+<file path=ppt/slides/slide6.xml><?xml version="1.0" encoding="utf-8"?>
+<p:sld xmlns:a="http://schemas.openxmlformats.org/drawingml/2006/main" xmlns:r="http://schemas.openxmlformats.org/officeDocument/2006/relationships" xmlns:p="http://schemas.openxmlformats.org/presentationml/2006/main">
+  <p:cSld>
+    <p:spTree>
+      <p:nvGrpSpPr>
+        <p:cNvPr id="1" name=""/>
+        <p:cNvGrpSpPr/>
+        <p:nvPr/>
+      </p:nvGrpSpPr>
+      <p:grpSpPr>
+        <a:xfrm>
+          <a:off x="0" y="0"/>
+          <a:ext cx="0" cy="0"/>
+          <a:chOff x="0" y="0"/>
+          <a:chExt cx="0" cy="0"/>
+        </a:xfrm>
+      </p:grpSpPr>
+      <p:sp>
+        <p:nvSpPr>
           <p:cNvPr id="2" name="Title 1"/>
           <p:cNvSpPr>
             <a:spLocks noGrp="1"/>
@@ -3604,7 +3923,45 @@
           <a:p>
             <a:r>
               <a:rPr lang="en-US" dirty="0" smtClean="0"/>
-              <a:t>WPF page with hooks into VS through commands and DTE</a:t>
+              <a:t>Get the code and my info at </a:t>
+            </a:r>
+            <a:r>
+              <a:rPr lang="en-US" b="1" dirty="0" smtClean="0">
+                <a:hlinkClick r:id="rId2"/>
+              </a:rPr>
+              <a:t>coad.net</a:t>
+            </a:r>
+            <a:endParaRPr lang="en-US" b="1" dirty="0" smtClean="0"/>
+          </a:p>
+          <a:p>
+            <a:r>
+              <a:rPr lang="en-US" dirty="0" smtClean="0"/>
+              <a:t>WPF </a:t>
+            </a:r>
+            <a:r>
+              <a:rPr lang="en-US" dirty="0" smtClean="0"/>
+              <a:t>page with hooks into VS </a:t>
+            </a:r>
+          </a:p>
+          <a:p>
+            <a:pPr lvl="1"/>
+            <a:r>
+              <a:rPr lang="en-US" dirty="0" smtClean="0"/>
+              <a:t>VS Commands</a:t>
+            </a:r>
+          </a:p>
+          <a:p>
+            <a:pPr lvl="1"/>
+            <a:r>
+              <a:rPr lang="en-US" dirty="0" smtClean="0"/>
+              <a:t>DTE</a:t>
+            </a:r>
+          </a:p>
+          <a:p>
+            <a:pPr lvl="1"/>
+            <a:r>
+              <a:rPr lang="en-US" dirty="0" smtClean="0"/>
+              <a:t>String Settings Store</a:t>
             </a:r>
           </a:p>
           <a:p>
@@ -3614,7 +3971,7 @@
             </a:r>
             <a:r>
               <a:rPr lang="en-US" dirty="0" smtClean="0">
-                <a:hlinkClick r:id="rId2"/>
+                <a:hlinkClick r:id="rId3"/>
               </a:rPr>
               <a:t>link</a:t>
             </a:r>
@@ -3626,9 +3983,9 @@
           <a:p>
             <a:r>
               <a:rPr lang="en-US" dirty="0" smtClean="0"/>
-              <a:t>Access to the VS object modal through DTE</a:t>
-            </a:r>
-            <a:endParaRPr lang="en-US" dirty="0"/>
+              <a:t>Make VS your own!</a:t>
+            </a:r>
+            <a:endParaRPr lang="en-US" dirty="0" smtClean="0"/>
           </a:p>
         </p:txBody>
       </p:sp>
@@ -3642,6 +3999,13 @@
   <p:clrMapOvr>
     <a:masterClrMapping/>
   </p:clrMapOvr>
+  <p:timing>
+    <p:tnLst>
+      <p:par>
+        <p:cTn id="1" dur="indefinite" restart="never" nodeType="tmRoot"/>
+      </p:par>
+    </p:tnLst>
+  </p:timing>
 </p:sld>
 </file>
 
